--- a/Battle of the Neighborhoods.pptx
+++ b/Battle of the Neighborhoods.pptx
@@ -110,6 +110,11 @@
       </a:defRPr>
     </a:lvl9pPr>
   </p:defaultTextStyle>
+  <p:extLst>
+    <p:ext uri="{EFAFB233-063F-42B5-8137-9DF3F51BA10A}">
+      <p15:sldGuideLst xmlns:p15="http://schemas.microsoft.com/office/powerpoint/2012/main"/>
+    </p:ext>
+  </p:extLst>
 </p:presentation>
 </file>
 
@@ -126,10 +131,25 @@
   <pc:docChgLst>
     <pc:chgData name="Jason Robson" userId="a132ed234d48b48f" providerId="LiveId" clId="{D52E4BC8-58A9-4A59-8076-F3A8CE1C0ED2}"/>
     <pc:docChg chg="undo custSel mod addSld modSld">
-      <pc:chgData name="Jason Robson" userId="a132ed234d48b48f" providerId="LiveId" clId="{D52E4BC8-58A9-4A59-8076-F3A8CE1C0ED2}" dt="2020-06-02T22:14:54.062" v="167" actId="26606"/>
+      <pc:chgData name="Jason Robson" userId="a132ed234d48b48f" providerId="LiveId" clId="{D52E4BC8-58A9-4A59-8076-F3A8CE1C0ED2}" dt="2020-06-02T22:17:43.475" v="192" actId="27636"/>
       <pc:docMkLst>
         <pc:docMk/>
       </pc:docMkLst>
+      <pc:sldChg chg="modSp mod">
+        <pc:chgData name="Jason Robson" userId="a132ed234d48b48f" providerId="LiveId" clId="{D52E4BC8-58A9-4A59-8076-F3A8CE1C0ED2}" dt="2020-06-02T22:17:43.475" v="192" actId="27636"/>
+        <pc:sldMkLst>
+          <pc:docMk/>
+          <pc:sldMk cId="2952077785" sldId="256"/>
+        </pc:sldMkLst>
+        <pc:spChg chg="mod">
+          <ac:chgData name="Jason Robson" userId="a132ed234d48b48f" providerId="LiveId" clId="{D52E4BC8-58A9-4A59-8076-F3A8CE1C0ED2}" dt="2020-06-02T22:17:43.475" v="192" actId="27636"/>
+          <ac:spMkLst>
+            <pc:docMk/>
+            <pc:sldMk cId="2952077785" sldId="256"/>
+            <ac:spMk id="3" creationId="{57C32200-9AB2-4B47-86C8-F5E318EF648F}"/>
+          </ac:spMkLst>
+        </pc:spChg>
+      </pc:sldChg>
       <pc:sldChg chg="addSp delSp modSp mod setBg">
         <pc:chgData name="Jason Robson" userId="a132ed234d48b48f" providerId="LiveId" clId="{D52E4BC8-58A9-4A59-8076-F3A8CE1C0ED2}" dt="2020-06-02T22:13:28.870" v="110" actId="26606"/>
         <pc:sldMkLst>
@@ -11134,12 +11154,12 @@
         <p:spPr>
           <a:xfrm>
             <a:off x="1524000" y="5636465"/>
-            <a:ext cx="9144000" cy="646785"/>
+            <a:ext cx="9144000" cy="1042631"/>
           </a:xfrm>
         </p:spPr>
         <p:txBody>
           <a:bodyPr>
-            <a:normAutofit/>
+            <a:normAutofit fontScale="85000" lnSpcReduction="20000"/>
           </a:bodyPr>
           <a:lstStyle/>
           <a:p>
@@ -11151,6 +11171,25 @@
                 </a:solidFill>
               </a:rPr>
               <a:t>Coffee Shops and Restaurants</a:t>
+            </a:r>
+          </a:p>
+          <a:p>
+            <a:pPr algn="ctr"/>
+            <a:endParaRPr lang="en-US" dirty="0">
+              <a:solidFill>
+                <a:schemeClr val="bg1"/>
+              </a:solidFill>
+            </a:endParaRPr>
+          </a:p>
+          <a:p>
+            <a:pPr algn="ctr"/>
+            <a:r>
+              <a:rPr lang="en-US" dirty="0">
+                <a:solidFill>
+                  <a:schemeClr val="bg1"/>
+                </a:solidFill>
+              </a:rPr>
+              <a:t>By: Jason Robson</a:t>
             </a:r>
           </a:p>
         </p:txBody>

--- a/Battle of the Neighborhoods.pptx
+++ b/Battle of the Neighborhoods.pptx
@@ -110,11 +110,6 @@
       </a:defRPr>
     </a:lvl9pPr>
   </p:defaultTextStyle>
-  <p:extLst>
-    <p:ext uri="{EFAFB233-063F-42B5-8137-9DF3F51BA10A}">
-      <p15:sldGuideLst xmlns:p15="http://schemas.microsoft.com/office/powerpoint/2012/main"/>
-    </p:ext>
-  </p:extLst>
 </p:presentation>
 </file>
 
@@ -131,25 +126,10 @@
   <pc:docChgLst>
     <pc:chgData name="Jason Robson" userId="a132ed234d48b48f" providerId="LiveId" clId="{D52E4BC8-58A9-4A59-8076-F3A8CE1C0ED2}"/>
     <pc:docChg chg="undo custSel mod addSld modSld">
-      <pc:chgData name="Jason Robson" userId="a132ed234d48b48f" providerId="LiveId" clId="{D52E4BC8-58A9-4A59-8076-F3A8CE1C0ED2}" dt="2020-06-02T22:17:43.475" v="192" actId="27636"/>
+      <pc:chgData name="Jason Robson" userId="a132ed234d48b48f" providerId="LiveId" clId="{D52E4BC8-58A9-4A59-8076-F3A8CE1C0ED2}" dt="2020-06-02T22:14:54.062" v="167" actId="26606"/>
       <pc:docMkLst>
         <pc:docMk/>
       </pc:docMkLst>
-      <pc:sldChg chg="modSp mod">
-        <pc:chgData name="Jason Robson" userId="a132ed234d48b48f" providerId="LiveId" clId="{D52E4BC8-58A9-4A59-8076-F3A8CE1C0ED2}" dt="2020-06-02T22:17:43.475" v="192" actId="27636"/>
-        <pc:sldMkLst>
-          <pc:docMk/>
-          <pc:sldMk cId="2952077785" sldId="256"/>
-        </pc:sldMkLst>
-        <pc:spChg chg="mod">
-          <ac:chgData name="Jason Robson" userId="a132ed234d48b48f" providerId="LiveId" clId="{D52E4BC8-58A9-4A59-8076-F3A8CE1C0ED2}" dt="2020-06-02T22:17:43.475" v="192" actId="27636"/>
-          <ac:spMkLst>
-            <pc:docMk/>
-            <pc:sldMk cId="2952077785" sldId="256"/>
-            <ac:spMk id="3" creationId="{57C32200-9AB2-4B47-86C8-F5E318EF648F}"/>
-          </ac:spMkLst>
-        </pc:spChg>
-      </pc:sldChg>
       <pc:sldChg chg="addSp delSp modSp mod setBg">
         <pc:chgData name="Jason Robson" userId="a132ed234d48b48f" providerId="LiveId" clId="{D52E4BC8-58A9-4A59-8076-F3A8CE1C0ED2}" dt="2020-06-02T22:13:28.870" v="110" actId="26606"/>
         <pc:sldMkLst>
@@ -11154,12 +11134,12 @@
         <p:spPr>
           <a:xfrm>
             <a:off x="1524000" y="5636465"/>
-            <a:ext cx="9144000" cy="1042631"/>
+            <a:ext cx="9144000" cy="646785"/>
           </a:xfrm>
         </p:spPr>
         <p:txBody>
           <a:bodyPr>
-            <a:normAutofit fontScale="85000" lnSpcReduction="20000"/>
+            <a:normAutofit/>
           </a:bodyPr>
           <a:lstStyle/>
           <a:p>
@@ -11171,25 +11151,6 @@
                 </a:solidFill>
               </a:rPr>
               <a:t>Coffee Shops and Restaurants</a:t>
-            </a:r>
-          </a:p>
-          <a:p>
-            <a:pPr algn="ctr"/>
-            <a:endParaRPr lang="en-US" dirty="0">
-              <a:solidFill>
-                <a:schemeClr val="bg1"/>
-              </a:solidFill>
-            </a:endParaRPr>
-          </a:p>
-          <a:p>
-            <a:pPr algn="ctr"/>
-            <a:r>
-              <a:rPr lang="en-US" dirty="0">
-                <a:solidFill>
-                  <a:schemeClr val="bg1"/>
-                </a:solidFill>
-              </a:rPr>
-              <a:t>By: Jason Robson</a:t>
             </a:r>
           </a:p>
         </p:txBody>
